--- a/Bid Policies 2017.pptx
+++ b/Bid Policies 2017.pptx
@@ -213,7 +213,7 @@
           <a:p>
             <a:fld id="{28222843-AC79-D743-82CB-7438E0B16A8E}" type="datetimeFigureOut">
               <a:rPr lang="en-US" smtClean="0"/>
-              <a:t>8/11/17</a:t>
+              <a:t>8/12/17</a:t>
             </a:fld>
             <a:endParaRPr lang="en-US"/>
           </a:p>
@@ -2078,7 +2078,7 @@
           <a:p>
             <a:fld id="{18E3A031-83FF-0144-B9F2-B42F5247E728}" type="datetimeFigureOut">
               <a:rPr lang="en-US" smtClean="0"/>
-              <a:t>8/11/17</a:t>
+              <a:t>8/12/17</a:t>
             </a:fld>
             <a:endParaRPr lang="en-US"/>
           </a:p>
@@ -2413,7 +2413,7 @@
           <a:p>
             <a:fld id="{18E3A031-83FF-0144-B9F2-B42F5247E728}" type="datetimeFigureOut">
               <a:rPr lang="en-US" smtClean="0"/>
-              <a:t>8/11/17</a:t>
+              <a:t>8/12/17</a:t>
             </a:fld>
             <a:endParaRPr lang="en-US"/>
           </a:p>
@@ -2593,7 +2593,7 @@
           <a:p>
             <a:fld id="{18E3A031-83FF-0144-B9F2-B42F5247E728}" type="datetimeFigureOut">
               <a:rPr lang="en-US" smtClean="0"/>
-              <a:t>8/11/17</a:t>
+              <a:t>8/12/17</a:t>
             </a:fld>
             <a:endParaRPr lang="en-US"/>
           </a:p>
@@ -2768,7 +2768,7 @@
           <a:p>
             <a:fld id="{18E3A031-83FF-0144-B9F2-B42F5247E728}" type="datetimeFigureOut">
               <a:rPr lang="en-US" smtClean="0"/>
-              <a:t>8/11/17</a:t>
+              <a:t>8/12/17</a:t>
             </a:fld>
             <a:endParaRPr lang="en-US"/>
           </a:p>
@@ -3045,7 +3045,7 @@
           <a:p>
             <a:fld id="{18E3A031-83FF-0144-B9F2-B42F5247E728}" type="datetimeFigureOut">
               <a:rPr lang="en-US" smtClean="0"/>
-              <a:t>8/11/17</a:t>
+              <a:t>8/12/17</a:t>
             </a:fld>
             <a:endParaRPr lang="en-US"/>
           </a:p>
@@ -3444,7 +3444,7 @@
           <a:p>
             <a:fld id="{18E3A031-83FF-0144-B9F2-B42F5247E728}" type="datetimeFigureOut">
               <a:rPr lang="en-US" smtClean="0"/>
-              <a:t>8/11/17</a:t>
+              <a:t>8/12/17</a:t>
             </a:fld>
             <a:endParaRPr lang="en-US"/>
           </a:p>
@@ -3926,7 +3926,7 @@
           <a:p>
             <a:fld id="{18E3A031-83FF-0144-B9F2-B42F5247E728}" type="datetimeFigureOut">
               <a:rPr lang="en-US" smtClean="0"/>
-              <a:t>8/11/17</a:t>
+              <a:t>8/12/17</a:t>
             </a:fld>
             <a:endParaRPr lang="en-US"/>
           </a:p>
@@ -4049,7 +4049,7 @@
           <a:p>
             <a:fld id="{18E3A031-83FF-0144-B9F2-B42F5247E728}" type="datetimeFigureOut">
               <a:rPr lang="en-US" smtClean="0"/>
-              <a:t>8/11/17</a:t>
+              <a:t>8/12/17</a:t>
             </a:fld>
             <a:endParaRPr lang="en-US"/>
           </a:p>
@@ -4144,7 +4144,7 @@
           <a:p>
             <a:fld id="{18E3A031-83FF-0144-B9F2-B42F5247E728}" type="datetimeFigureOut">
               <a:rPr lang="en-US" smtClean="0"/>
-              <a:t>8/11/17</a:t>
+              <a:t>8/12/17</a:t>
             </a:fld>
             <a:endParaRPr lang="en-US"/>
           </a:p>
@@ -4495,7 +4495,7 @@
           <a:p>
             <a:fld id="{18E3A031-83FF-0144-B9F2-B42F5247E728}" type="datetimeFigureOut">
               <a:rPr lang="en-US" smtClean="0"/>
-              <a:t>8/11/17</a:t>
+              <a:t>8/12/17</a:t>
             </a:fld>
             <a:endParaRPr lang="en-US"/>
           </a:p>
@@ -4888,7 +4888,7 @@
           <a:p>
             <a:fld id="{18E3A031-83FF-0144-B9F2-B42F5247E728}" type="datetimeFigureOut">
               <a:rPr lang="en-US" smtClean="0"/>
-              <a:t>8/11/17</a:t>
+              <a:t>8/12/17</a:t>
             </a:fld>
             <a:endParaRPr lang="en-US"/>
           </a:p>
@@ -5171,7 +5171,7 @@
           <a:p>
             <a:fld id="{18E3A031-83FF-0144-B9F2-B42F5247E728}" type="datetimeFigureOut">
               <a:rPr lang="en-US" smtClean="0"/>
-              <a:t>8/11/17</a:t>
+              <a:t>8/12/17</a:t>
             </a:fld>
             <a:endParaRPr lang="en-US"/>
           </a:p>
@@ -6471,21 +6471,8 @@
           <a:p>
             <a:r>
               <a:rPr lang="en-US" dirty="0" smtClean="0"/>
-              <a:t>Value of </a:t>
-            </a:r>
-            <a:r>
-              <a:rPr lang="en-US" dirty="0" smtClean="0"/>
-              <a:t>tunable parameter = </a:t>
-            </a:r>
-            <a:r>
-              <a:rPr lang="en-US" dirty="0" smtClean="0"/>
-              <a:t>10 vs pur</a:t>
-            </a:r>
-            <a:r>
-              <a:rPr lang="en-US" dirty="0" smtClean="0"/>
-              <a:t>e exploitation</a:t>
-            </a:r>
-            <a:endParaRPr lang="en-US" dirty="0" smtClean="0"/>
+              <a:t>Value of tunable parameter = 10 vs pure exploitation</a:t>
+            </a:r>
           </a:p>
         </p:txBody>
       </p:sp>
@@ -6607,45 +6594,52 @@
           <a:lstStyle/>
           <a:p>
             <a:r>
-              <a:rPr lang="en-US" sz="2400" dirty="0" smtClean="0"/>
+              <a:rPr lang="en-US" dirty="0" smtClean="0"/>
               <a:t>Complicates problem setting</a:t>
             </a:r>
           </a:p>
           <a:p>
             <a:pPr lvl="1"/>
             <a:r>
-              <a:rPr lang="en-US" sz="2400" dirty="0" smtClean="0"/>
+              <a:rPr lang="en-US" dirty="0" smtClean="0"/>
               <a:t>Each auction comes from a specified city (and country and region)</a:t>
             </a:r>
           </a:p>
           <a:p>
             <a:pPr lvl="1"/>
             <a:r>
-              <a:rPr lang="en-US" sz="2400" dirty="0" smtClean="0"/>
+              <a:rPr lang="en-US" dirty="0" smtClean="0"/>
               <a:t>Set </a:t>
             </a:r>
             <a:r>
-              <a:rPr lang="en-US" sz="2400" dirty="0"/>
+              <a:rPr lang="en-US" dirty="0"/>
               <a:t>1 fixed truth (a true </a:t>
             </a:r>
             <a:r>
-              <a:rPr lang="en-US" sz="2400" dirty="0" smtClean="0"/>
+              <a:rPr lang="en-US" dirty="0" smtClean="0"/>
               <a:t>probability-of-click </a:t>
             </a:r>
             <a:r>
-              <a:rPr lang="en-US" sz="2400" dirty="0"/>
+              <a:rPr lang="en-US" dirty="0"/>
               <a:t>function) at the start of each </a:t>
             </a:r>
             <a:r>
-              <a:rPr lang="en-US" sz="2400" dirty="0" smtClean="0"/>
+              <a:rPr lang="en-US" dirty="0" smtClean="0"/>
               <a:t>week</a:t>
             </a:r>
           </a:p>
           <a:p>
             <a:r>
-              <a:rPr lang="en-US" sz="2400" dirty="0" smtClean="0"/>
-              <a:t>Simple fix: Add terms  to probability function</a:t>
-            </a:r>
+              <a:rPr lang="en-US" dirty="0" smtClean="0"/>
+              <a:t>Simple fix: Add terms  to probability </a:t>
+            </a:r>
+            <a:r>
+              <a:rPr lang="en-US" dirty="0" smtClean="0"/>
+              <a:t>function</a:t>
+            </a:r>
+          </a:p>
+          <a:p>
+            <a:endParaRPr lang="en-US" dirty="0" smtClean="0"/>
           </a:p>
         </p:txBody>
       </p:sp>
@@ -6701,7 +6695,7 @@
         </p:blipFill>
         <p:spPr>
           <a:xfrm>
-            <a:off x="1696038" y="5473823"/>
+            <a:off x="1696038" y="4505635"/>
             <a:ext cx="3514050" cy="855189"/>
           </a:xfrm>
           <a:prstGeom prst="rect">
@@ -6799,48 +6793,63 @@
           <a:lstStyle/>
           <a:p>
             <a:r>
-              <a:rPr lang="en-US" sz="2400" dirty="0" smtClean="0"/>
+              <a:rPr lang="en-US" dirty="0" smtClean="0"/>
               <a:t>Complicates problem setting</a:t>
             </a:r>
           </a:p>
           <a:p>
             <a:pPr lvl="1"/>
             <a:r>
-              <a:rPr lang="en-US" sz="2400" dirty="0" smtClean="0"/>
+              <a:rPr lang="en-US" dirty="0" smtClean="0"/>
               <a:t>Each auction comes from a specified city (and country and region)</a:t>
             </a:r>
           </a:p>
           <a:p>
             <a:pPr lvl="1"/>
             <a:r>
-              <a:rPr lang="en-US" sz="2400" dirty="0"/>
+              <a:rPr lang="en-US" dirty="0"/>
               <a:t>Set 1 fixed truth (a true </a:t>
             </a:r>
             <a:r>
-              <a:rPr lang="en-US" sz="2400" dirty="0" smtClean="0"/>
+              <a:rPr lang="en-US" dirty="0" smtClean="0"/>
               <a:t>probability-of-click </a:t>
             </a:r>
             <a:r>
-              <a:rPr lang="en-US" sz="2400" dirty="0"/>
+              <a:rPr lang="en-US" dirty="0"/>
               <a:t>function) at the start of each </a:t>
             </a:r>
             <a:r>
-              <a:rPr lang="en-US" sz="2400" dirty="0" smtClean="0"/>
+              <a:rPr lang="en-US" dirty="0" smtClean="0"/>
               <a:t>week</a:t>
             </a:r>
           </a:p>
           <a:p>
             <a:r>
-              <a:rPr lang="en-US" sz="2400" dirty="0" smtClean="0"/>
-              <a:t>Simple fix: Add terms to probability function</a:t>
-            </a:r>
-            <a:endParaRPr lang="en-US" sz="2400" dirty="0"/>
+              <a:rPr lang="en-US" dirty="0" smtClean="0"/>
+              <a:t>Simple fix: Add terms to probability </a:t>
+            </a:r>
+            <a:r>
+              <a:rPr lang="en-US" dirty="0" smtClean="0"/>
+              <a:t>function</a:t>
+            </a:r>
+          </a:p>
+          <a:p>
+            <a:endParaRPr lang="en-US" sz="5400" dirty="0" smtClean="0"/>
+          </a:p>
+          <a:p>
+            <a:r>
+              <a:rPr lang="en-US" dirty="0"/>
+              <a:t>Value of tunable parameter = 10 vs pure exploitation</a:t>
+            </a:r>
+          </a:p>
+          <a:p>
+            <a:endParaRPr lang="en-US" dirty="0"/>
           </a:p>
         </p:txBody>
       </p:sp>
       <p:pic>
         <p:nvPicPr>
-          <p:cNvPr id="6" name="Picture 5"/>
+          <p:cNvPr id="7" name="Picture 6"/>
           <p:cNvPicPr>
             <a:picLocks noChangeAspect="1"/>
           </p:cNvPicPr>
@@ -6860,8 +6869,8 @@
         </p:blipFill>
         <p:spPr>
           <a:xfrm>
-            <a:off x="5393006" y="1561626"/>
-            <a:ext cx="6429995" cy="4625084"/>
+            <a:off x="1696038" y="4536845"/>
+            <a:ext cx="3514050" cy="855189"/>
           </a:xfrm>
           <a:prstGeom prst="rect">
             <a:avLst/>
@@ -6870,7 +6879,7 @@
       </p:pic>
       <p:pic>
         <p:nvPicPr>
-          <p:cNvPr id="7" name="Picture 6"/>
+          <p:cNvPr id="4" name="Picture 3"/>
           <p:cNvPicPr>
             <a:picLocks noChangeAspect="1"/>
           </p:cNvPicPr>
@@ -6890,8 +6899,8 @@
         </p:blipFill>
         <p:spPr>
           <a:xfrm>
-            <a:off x="1696038" y="5433316"/>
-            <a:ext cx="3514050" cy="855189"/>
+            <a:off x="5534525" y="1459832"/>
+            <a:ext cx="6437263" cy="4528592"/>
           </a:xfrm>
           <a:prstGeom prst="rect">
             <a:avLst/>
